--- a/Lectures/33.2017-11-06.pptx
+++ b/Lectures/33.2017-11-06.pptx
@@ -256,7 +256,7 @@
           <a:p>
             <a:fld id="{696019BD-5A9C-D247-A352-90D6F932FC39}" type="datetimeFigureOut">
               <a:rPr lang="en-US" smtClean="0"/>
-              <a:t>11/6/2017</a:t>
+              <a:t>11/16/2017</a:t>
             </a:fld>
             <a:endParaRPr lang="en-US"/>
           </a:p>
@@ -422,7 +422,7 @@
           <a:p>
             <a:fld id="{1984F9F3-EF58-DB4F-B0ED-0B6B850DA2DF}" type="datetimeFigureOut">
               <a:rPr lang="en-US" smtClean="0"/>
-              <a:t>11/6/2017</a:t>
+              <a:t>11/16/2017</a:t>
             </a:fld>
             <a:endParaRPr lang="en-US"/>
           </a:p>
@@ -4424,23 +4424,7 @@
                   <a:schemeClr val="accent1"/>
                 </a:solidFill>
               </a:rPr>
-              <a:t>November </a:t>
-            </a:r>
-            <a:r>
-              <a:rPr lang="en-US" dirty="0" smtClean="0">
-                <a:solidFill>
-                  <a:schemeClr val="accent1"/>
-                </a:solidFill>
-              </a:rPr>
-              <a:t>6, </a:t>
-            </a:r>
-            <a:r>
-              <a:rPr lang="en-US" dirty="0" smtClean="0">
-                <a:solidFill>
-                  <a:schemeClr val="accent1"/>
-                </a:solidFill>
-              </a:rPr>
-              <a:t>2017</a:t>
+              <a:t>November 6, 2017</a:t>
             </a:r>
           </a:p>
           <a:p>
@@ -4451,26 +4435,29 @@
               <a:defRPr/>
             </a:pPr>
             <a:r>
+              <a:rPr lang="en-US" smtClean="0">
+                <a:solidFill>
+                  <a:schemeClr val="accent1"/>
+                </a:solidFill>
+              </a:rPr>
+              <a:t>Week </a:t>
+            </a:r>
+            <a:r>
+              <a:rPr lang="en-US" smtClean="0">
+                <a:solidFill>
+                  <a:schemeClr val="accent1"/>
+                </a:solidFill>
+              </a:rPr>
+              <a:t>12, </a:t>
+            </a:r>
+            <a:r>
               <a:rPr lang="en-US" dirty="0" smtClean="0">
                 <a:solidFill>
                   <a:schemeClr val="accent1"/>
                 </a:solidFill>
               </a:rPr>
-              <a:t>Week 11, Class #</a:t>
-            </a:r>
-            <a:r>
-              <a:rPr lang="en-US" dirty="0" smtClean="0">
-                <a:solidFill>
-                  <a:schemeClr val="accent1"/>
-                </a:solidFill>
-              </a:rPr>
-              <a:t>33</a:t>
-            </a:r>
-            <a:endParaRPr lang="en-US" dirty="0" smtClean="0">
-              <a:solidFill>
-                <a:schemeClr val="accent1"/>
-              </a:solidFill>
-            </a:endParaRPr>
+              <a:t>Class #33</a:t>
+            </a:r>
           </a:p>
           <a:p>
             <a:pPr fontAlgn="auto">
@@ -4697,7 +4684,6 @@
               <a:rPr lang="en-US" dirty="0"/>
               <a:t>Servers, Images, and Hosting</a:t>
             </a:r>
-            <a:endParaRPr lang="en-US" dirty="0"/>
           </a:p>
         </p:txBody>
       </p:sp>
@@ -4909,7 +4895,6 @@
               <a:rPr lang="en-US" dirty="0"/>
               <a:t>Modern Deployment</a:t>
             </a:r>
-            <a:endParaRPr lang="en-US" dirty="0"/>
           </a:p>
         </p:txBody>
       </p:sp>
@@ -5202,11 +5187,6 @@
               </a:rPr>
               <a:t>Application Software</a:t>
             </a:r>
-            <a:endParaRPr lang="en-US" dirty="0" smtClean="0">
-              <a:solidFill>
-                <a:schemeClr val="accent1"/>
-              </a:solidFill>
-            </a:endParaRPr>
           </a:p>
           <a:p>
             <a:pPr marL="457200" lvl="1" indent="0">
@@ -5303,7 +5283,6 @@
               <a:rPr lang="en-US" dirty="0"/>
               <a:t>Virtualization</a:t>
             </a:r>
-            <a:endParaRPr lang="en-US" dirty="0"/>
           </a:p>
         </p:txBody>
       </p:sp>
@@ -5693,15 +5672,7 @@
           <a:p>
             <a:r>
               <a:rPr lang="en-US" dirty="0" smtClean="0"/>
-              <a:t>See you </a:t>
-            </a:r>
-            <a:r>
-              <a:rPr lang="en-US" dirty="0" smtClean="0"/>
-              <a:t>Wednes</a:t>
-            </a:r>
-            <a:r>
-              <a:rPr lang="en-US" dirty="0" smtClean="0"/>
-              <a:t>day</a:t>
+              <a:t>See you Wednesday</a:t>
             </a:r>
             <a:endParaRPr lang="en-US" dirty="0"/>
           </a:p>
@@ -5994,33 +5965,15 @@
                   <a:schemeClr val="accent2"/>
                 </a:solidFill>
               </a:rPr>
-              <a:t>Monday, </a:t>
-            </a:r>
-            <a:r>
-              <a:rPr lang="en-US" dirty="0" smtClean="0">
-                <a:solidFill>
-                  <a:schemeClr val="accent2"/>
-                </a:solidFill>
-              </a:rPr>
-              <a:t>11-6</a:t>
-            </a:r>
-            <a:endParaRPr lang="en-US" dirty="0" smtClean="0">
-              <a:solidFill>
-                <a:schemeClr val="accent2"/>
-              </a:solidFill>
-            </a:endParaRPr>
+              <a:t>Monday, 11-6</a:t>
+            </a:r>
           </a:p>
           <a:p>
             <a:pPr lvl="1"/>
             <a:r>
               <a:rPr lang="en-US" dirty="0" smtClean="0"/>
-              <a:t>Lecture – </a:t>
-            </a:r>
-            <a:r>
-              <a:rPr lang="en-US" dirty="0" smtClean="0"/>
-              <a:t>Web Hosting</a:t>
-            </a:r>
-            <a:endParaRPr lang="en-US" dirty="0" smtClean="0"/>
+              <a:t>Lecture – Web Hosting</a:t>
+            </a:r>
           </a:p>
           <a:p>
             <a:pPr lvl="1"/>
@@ -6033,21 +5986,8 @@
                   <a:schemeClr val="accent2"/>
                 </a:solidFill>
               </a:rPr>
-              <a:t>Wednesday, </a:t>
-            </a:r>
-            <a:r>
-              <a:rPr lang="en-US" dirty="0" smtClean="0">
-                <a:solidFill>
-                  <a:schemeClr val="accent2"/>
-                </a:solidFill>
-              </a:rPr>
-              <a:t>11-8</a:t>
-            </a:r>
-            <a:endParaRPr lang="en-US" dirty="0" smtClean="0">
-              <a:solidFill>
-                <a:schemeClr val="accent2"/>
-              </a:solidFill>
-            </a:endParaRPr>
+              <a:t>Wednesday, 11-8</a:t>
+            </a:r>
           </a:p>
           <a:p>
             <a:pPr lvl="1"/>
@@ -6063,7 +6003,6 @@
               <a:rPr lang="en-US" dirty="0" smtClean="0"/>
               <a:t>Release Process</a:t>
             </a:r>
-            <a:endParaRPr lang="en-US" dirty="0" smtClean="0"/>
           </a:p>
           <a:p>
             <a:pPr lvl="1"/>
@@ -6076,21 +6015,8 @@
                   <a:schemeClr val="accent2"/>
                 </a:solidFill>
               </a:rPr>
-              <a:t>Friday, </a:t>
-            </a:r>
-            <a:r>
-              <a:rPr lang="en-US" dirty="0" smtClean="0">
-                <a:solidFill>
-                  <a:schemeClr val="accent2"/>
-                </a:solidFill>
-              </a:rPr>
-              <a:t>11-10</a:t>
-            </a:r>
-            <a:endParaRPr lang="en-US" dirty="0" smtClean="0">
-              <a:solidFill>
-                <a:schemeClr val="accent2"/>
-              </a:solidFill>
-            </a:endParaRPr>
+              <a:t>Friday, 11-10</a:t>
+            </a:r>
           </a:p>
           <a:p>
             <a:pPr lvl="1"/>
@@ -6102,7 +6028,6 @@
               <a:rPr lang="en-US" dirty="0" smtClean="0"/>
               <a:t>Maintenance</a:t>
             </a:r>
-            <a:endParaRPr lang="en-US" dirty="0" smtClean="0"/>
           </a:p>
         </p:txBody>
       </p:sp>
@@ -7409,15 +7334,7 @@
                   <a:schemeClr val="accent1"/>
                 </a:solidFill>
               </a:rPr>
-              <a:t>Metrics Drive Success – you get what you </a:t>
-            </a:r>
-            <a:r>
-              <a:rPr lang="en-US" dirty="0" smtClean="0">
-                <a:solidFill>
-                  <a:schemeClr val="accent1"/>
-                </a:solidFill>
-              </a:rPr>
-              <a:t>measure</a:t>
+              <a:t>Metrics Drive Success – you get what you measure</a:t>
             </a:r>
             <a:endParaRPr lang="en-US" dirty="0">
               <a:solidFill>
